--- a/사업계획서/Week7/EWon_강은영_SWOT_v1.2.pptx
+++ b/사업계획서/Week7/EWon_강은영_SWOT_v1.2.pptx
@@ -4,6 +4,9 @@
   <p:sldMasterIdLst>
     <p:sldMasterId id="2147483648" r:id="rId1"/>
   </p:sldMasterIdLst>
+  <p:notesMasterIdLst>
+    <p:notesMasterId r:id="rId20"/>
+  </p:notesMasterIdLst>
   <p:sldIdLst>
     <p:sldId id="256" r:id="rId2"/>
     <p:sldId id="263" r:id="rId3"/>
@@ -2906,6 +2909,595 @@
 </p:cmLst>
 </file>
 
+<file path=ppt/notesMasters/notesMaster1.xml><?xml version="1.0" encoding="utf-8"?>
+<p:notesMaster xmlns:a="http://schemas.openxmlformats.org/drawingml/2006/main" xmlns:r="http://schemas.openxmlformats.org/officeDocument/2006/relationships" xmlns:p="http://schemas.openxmlformats.org/presentationml/2006/main">
+  <p:cSld>
+    <p:bg>
+      <p:bgRef idx="1001">
+        <a:schemeClr val="bg1"/>
+      </p:bgRef>
+    </p:bg>
+    <p:spTree>
+      <p:nvGrpSpPr>
+        <p:cNvPr id="1" name=""/>
+        <p:cNvGrpSpPr/>
+        <p:nvPr/>
+      </p:nvGrpSpPr>
+      <p:grpSpPr>
+        <a:xfrm>
+          <a:off x="0" y="0"/>
+          <a:ext cx="0" cy="0"/>
+          <a:chOff x="0" y="0"/>
+          <a:chExt cx="0" cy="0"/>
+        </a:xfrm>
+      </p:grpSpPr>
+      <p:sp>
+        <p:nvSpPr>
+          <p:cNvPr id="2" name="머리글 개체 틀 1"/>
+          <p:cNvSpPr>
+            <a:spLocks noGrp="1"/>
+          </p:cNvSpPr>
+          <p:nvPr>
+            <p:ph type="hdr" sz="quarter"/>
+          </p:nvPr>
+        </p:nvSpPr>
+        <p:spPr>
+          <a:xfrm>
+            <a:off x="0" y="0"/>
+            <a:ext cx="2971800" cy="458788"/>
+          </a:xfrm>
+          <a:prstGeom prst="rect">
+            <a:avLst/>
+          </a:prstGeom>
+        </p:spPr>
+        <p:txBody>
+          <a:bodyPr vert="horz" lIns="91440" tIns="45720" rIns="91440" bIns="45720" rtlCol="0"/>
+          <a:lstStyle>
+            <a:lvl1pPr algn="l">
+              <a:defRPr sz="1200"/>
+            </a:lvl1pPr>
+          </a:lstStyle>
+          <a:p>
+            <a:endParaRPr lang="ko-KR" altLang="en-US"/>
+          </a:p>
+        </p:txBody>
+      </p:sp>
+      <p:sp>
+        <p:nvSpPr>
+          <p:cNvPr id="3" name="날짜 개체 틀 2"/>
+          <p:cNvSpPr>
+            <a:spLocks noGrp="1"/>
+          </p:cNvSpPr>
+          <p:nvPr>
+            <p:ph type="dt" idx="1"/>
+          </p:nvPr>
+        </p:nvSpPr>
+        <p:spPr>
+          <a:xfrm>
+            <a:off x="3884613" y="0"/>
+            <a:ext cx="2971800" cy="458788"/>
+          </a:xfrm>
+          <a:prstGeom prst="rect">
+            <a:avLst/>
+          </a:prstGeom>
+        </p:spPr>
+        <p:txBody>
+          <a:bodyPr vert="horz" lIns="91440" tIns="45720" rIns="91440" bIns="45720" rtlCol="0"/>
+          <a:lstStyle>
+            <a:lvl1pPr algn="r">
+              <a:defRPr sz="1200"/>
+            </a:lvl1pPr>
+          </a:lstStyle>
+          <a:p>
+            <a:fld id="{492E6BFC-41CB-404F-BAF1-C6D5999A6FE3}" type="datetimeFigureOut">
+              <a:rPr lang="ko-KR" altLang="en-US" smtClean="0"/>
+              <a:t>2021-04-19</a:t>
+            </a:fld>
+            <a:endParaRPr lang="ko-KR" altLang="en-US"/>
+          </a:p>
+        </p:txBody>
+      </p:sp>
+      <p:sp>
+        <p:nvSpPr>
+          <p:cNvPr id="4" name="슬라이드 이미지 개체 틀 3"/>
+          <p:cNvSpPr>
+            <a:spLocks noGrp="1" noRot="1" noChangeAspect="1"/>
+          </p:cNvSpPr>
+          <p:nvPr>
+            <p:ph type="sldImg" idx="2"/>
+          </p:nvPr>
+        </p:nvSpPr>
+        <p:spPr>
+          <a:xfrm>
+            <a:off x="685800" y="1143000"/>
+            <a:ext cx="5486400" cy="3086100"/>
+          </a:xfrm>
+          <a:prstGeom prst="rect">
+            <a:avLst/>
+          </a:prstGeom>
+          <a:noFill/>
+          <a:ln w="12700">
+            <a:solidFill>
+              <a:prstClr val="black"/>
+            </a:solidFill>
+          </a:ln>
+        </p:spPr>
+        <p:txBody>
+          <a:bodyPr vert="horz" lIns="91440" tIns="45720" rIns="91440" bIns="45720" rtlCol="0" anchor="ctr"/>
+          <a:lstStyle/>
+          <a:p>
+            <a:endParaRPr lang="ko-KR" altLang="en-US"/>
+          </a:p>
+        </p:txBody>
+      </p:sp>
+      <p:sp>
+        <p:nvSpPr>
+          <p:cNvPr id="5" name="슬라이드 노트 개체 틀 4"/>
+          <p:cNvSpPr>
+            <a:spLocks noGrp="1"/>
+          </p:cNvSpPr>
+          <p:nvPr>
+            <p:ph type="body" sz="quarter" idx="3"/>
+          </p:nvPr>
+        </p:nvSpPr>
+        <p:spPr>
+          <a:xfrm>
+            <a:off x="685800" y="4400550"/>
+            <a:ext cx="5486400" cy="3600450"/>
+          </a:xfrm>
+          <a:prstGeom prst="rect">
+            <a:avLst/>
+          </a:prstGeom>
+        </p:spPr>
+        <p:txBody>
+          <a:bodyPr vert="horz" lIns="91440" tIns="45720" rIns="91440" bIns="45720" rtlCol="0"/>
+          <a:lstStyle/>
+          <a:p>
+            <a:pPr lvl="0"/>
+            <a:r>
+              <a:rPr lang="ko-KR" altLang="en-US"/>
+              <a:t>마스터 텍스트 스타일을 편집하려면 클릭</a:t>
+            </a:r>
+          </a:p>
+          <a:p>
+            <a:pPr lvl="1"/>
+            <a:r>
+              <a:rPr lang="ko-KR" altLang="en-US"/>
+              <a:t>두 번째 수준</a:t>
+            </a:r>
+          </a:p>
+          <a:p>
+            <a:pPr lvl="2"/>
+            <a:r>
+              <a:rPr lang="ko-KR" altLang="en-US"/>
+              <a:t>세 번째 수준</a:t>
+            </a:r>
+          </a:p>
+          <a:p>
+            <a:pPr lvl="3"/>
+            <a:r>
+              <a:rPr lang="ko-KR" altLang="en-US"/>
+              <a:t>네 번째 수준</a:t>
+            </a:r>
+          </a:p>
+          <a:p>
+            <a:pPr lvl="4"/>
+            <a:r>
+              <a:rPr lang="ko-KR" altLang="en-US"/>
+              <a:t>다섯 번째 수준</a:t>
+            </a:r>
+          </a:p>
+        </p:txBody>
+      </p:sp>
+      <p:sp>
+        <p:nvSpPr>
+          <p:cNvPr id="6" name="바닥글 개체 틀 5"/>
+          <p:cNvSpPr>
+            <a:spLocks noGrp="1"/>
+          </p:cNvSpPr>
+          <p:nvPr>
+            <p:ph type="ftr" sz="quarter" idx="4"/>
+          </p:nvPr>
+        </p:nvSpPr>
+        <p:spPr>
+          <a:xfrm>
+            <a:off x="0" y="8685213"/>
+            <a:ext cx="2971800" cy="458787"/>
+          </a:xfrm>
+          <a:prstGeom prst="rect">
+            <a:avLst/>
+          </a:prstGeom>
+        </p:spPr>
+        <p:txBody>
+          <a:bodyPr vert="horz" lIns="91440" tIns="45720" rIns="91440" bIns="45720" rtlCol="0" anchor="b"/>
+          <a:lstStyle>
+            <a:lvl1pPr algn="l">
+              <a:defRPr sz="1200"/>
+            </a:lvl1pPr>
+          </a:lstStyle>
+          <a:p>
+            <a:endParaRPr lang="ko-KR" altLang="en-US"/>
+          </a:p>
+        </p:txBody>
+      </p:sp>
+      <p:sp>
+        <p:nvSpPr>
+          <p:cNvPr id="7" name="슬라이드 번호 개체 틀 6"/>
+          <p:cNvSpPr>
+            <a:spLocks noGrp="1"/>
+          </p:cNvSpPr>
+          <p:nvPr>
+            <p:ph type="sldNum" sz="quarter" idx="5"/>
+          </p:nvPr>
+        </p:nvSpPr>
+        <p:spPr>
+          <a:xfrm>
+            <a:off x="3884613" y="8685213"/>
+            <a:ext cx="2971800" cy="458787"/>
+          </a:xfrm>
+          <a:prstGeom prst="rect">
+            <a:avLst/>
+          </a:prstGeom>
+        </p:spPr>
+        <p:txBody>
+          <a:bodyPr vert="horz" lIns="91440" tIns="45720" rIns="91440" bIns="45720" rtlCol="0" anchor="b"/>
+          <a:lstStyle>
+            <a:lvl1pPr algn="r">
+              <a:defRPr sz="1200"/>
+            </a:lvl1pPr>
+          </a:lstStyle>
+          <a:p>
+            <a:fld id="{2CE03C39-EB77-4B74-8337-CDD637B9914E}" type="slidenum">
+              <a:rPr lang="ko-KR" altLang="en-US" smtClean="0"/>
+              <a:t>‹#›</a:t>
+            </a:fld>
+            <a:endParaRPr lang="ko-KR" altLang="en-US"/>
+          </a:p>
+        </p:txBody>
+      </p:sp>
+    </p:spTree>
+    <p:extLst>
+      <p:ext uri="{BB962C8B-B14F-4D97-AF65-F5344CB8AC3E}">
+        <p14:creationId xmlns:p14="http://schemas.microsoft.com/office/powerpoint/2010/main" val="2493480739"/>
+      </p:ext>
+    </p:extLst>
+  </p:cSld>
+  <p:clrMap bg1="lt1" tx1="dk1" bg2="lt2" tx2="dk2" accent1="accent1" accent2="accent2" accent3="accent3" accent4="accent4" accent5="accent5" accent6="accent6" hlink="hlink" folHlink="folHlink"/>
+  <p:notesStyle>
+    <a:lvl1pPr marL="0" algn="l" defTabSz="914400" rtl="0" eaLnBrk="1" latinLnBrk="1" hangingPunct="1">
+      <a:defRPr sz="1200" kern="1200">
+        <a:solidFill>
+          <a:schemeClr val="tx1"/>
+        </a:solidFill>
+        <a:latin typeface="+mn-lt"/>
+        <a:ea typeface="+mn-ea"/>
+        <a:cs typeface="+mn-cs"/>
+      </a:defRPr>
+    </a:lvl1pPr>
+    <a:lvl2pPr marL="457200" algn="l" defTabSz="914400" rtl="0" eaLnBrk="1" latinLnBrk="1" hangingPunct="1">
+      <a:defRPr sz="1200" kern="1200">
+        <a:solidFill>
+          <a:schemeClr val="tx1"/>
+        </a:solidFill>
+        <a:latin typeface="+mn-lt"/>
+        <a:ea typeface="+mn-ea"/>
+        <a:cs typeface="+mn-cs"/>
+      </a:defRPr>
+    </a:lvl2pPr>
+    <a:lvl3pPr marL="914400" algn="l" defTabSz="914400" rtl="0" eaLnBrk="1" latinLnBrk="1" hangingPunct="1">
+      <a:defRPr sz="1200" kern="1200">
+        <a:solidFill>
+          <a:schemeClr val="tx1"/>
+        </a:solidFill>
+        <a:latin typeface="+mn-lt"/>
+        <a:ea typeface="+mn-ea"/>
+        <a:cs typeface="+mn-cs"/>
+      </a:defRPr>
+    </a:lvl3pPr>
+    <a:lvl4pPr marL="1371600" algn="l" defTabSz="914400" rtl="0" eaLnBrk="1" latinLnBrk="1" hangingPunct="1">
+      <a:defRPr sz="1200" kern="1200">
+        <a:solidFill>
+          <a:schemeClr val="tx1"/>
+        </a:solidFill>
+        <a:latin typeface="+mn-lt"/>
+        <a:ea typeface="+mn-ea"/>
+        <a:cs typeface="+mn-cs"/>
+      </a:defRPr>
+    </a:lvl4pPr>
+    <a:lvl5pPr marL="1828800" algn="l" defTabSz="914400" rtl="0" eaLnBrk="1" latinLnBrk="1" hangingPunct="1">
+      <a:defRPr sz="1200" kern="1200">
+        <a:solidFill>
+          <a:schemeClr val="tx1"/>
+        </a:solidFill>
+        <a:latin typeface="+mn-lt"/>
+        <a:ea typeface="+mn-ea"/>
+        <a:cs typeface="+mn-cs"/>
+      </a:defRPr>
+    </a:lvl5pPr>
+    <a:lvl6pPr marL="2286000" algn="l" defTabSz="914400" rtl="0" eaLnBrk="1" latinLnBrk="1" hangingPunct="1">
+      <a:defRPr sz="1200" kern="1200">
+        <a:solidFill>
+          <a:schemeClr val="tx1"/>
+        </a:solidFill>
+        <a:latin typeface="+mn-lt"/>
+        <a:ea typeface="+mn-ea"/>
+        <a:cs typeface="+mn-cs"/>
+      </a:defRPr>
+    </a:lvl6pPr>
+    <a:lvl7pPr marL="2743200" algn="l" defTabSz="914400" rtl="0" eaLnBrk="1" latinLnBrk="1" hangingPunct="1">
+      <a:defRPr sz="1200" kern="1200">
+        <a:solidFill>
+          <a:schemeClr val="tx1"/>
+        </a:solidFill>
+        <a:latin typeface="+mn-lt"/>
+        <a:ea typeface="+mn-ea"/>
+        <a:cs typeface="+mn-cs"/>
+      </a:defRPr>
+    </a:lvl7pPr>
+    <a:lvl8pPr marL="3200400" algn="l" defTabSz="914400" rtl="0" eaLnBrk="1" latinLnBrk="1" hangingPunct="1">
+      <a:defRPr sz="1200" kern="1200">
+        <a:solidFill>
+          <a:schemeClr val="tx1"/>
+        </a:solidFill>
+        <a:latin typeface="+mn-lt"/>
+        <a:ea typeface="+mn-ea"/>
+        <a:cs typeface="+mn-cs"/>
+      </a:defRPr>
+    </a:lvl8pPr>
+    <a:lvl9pPr marL="3657600" algn="l" defTabSz="914400" rtl="0" eaLnBrk="1" latinLnBrk="1" hangingPunct="1">
+      <a:defRPr sz="1200" kern="1200">
+        <a:solidFill>
+          <a:schemeClr val="tx1"/>
+        </a:solidFill>
+        <a:latin typeface="+mn-lt"/>
+        <a:ea typeface="+mn-ea"/>
+        <a:cs typeface="+mn-cs"/>
+      </a:defRPr>
+    </a:lvl9pPr>
+  </p:notesStyle>
+</p:notesMaster>
+</file>
+
+<file path=ppt/notesSlides/notesSlide1.xml><?xml version="1.0" encoding="utf-8"?>
+<p:notes xmlns:a="http://schemas.openxmlformats.org/drawingml/2006/main" xmlns:r="http://schemas.openxmlformats.org/officeDocument/2006/relationships" xmlns:p="http://schemas.openxmlformats.org/presentationml/2006/main">
+  <p:cSld>
+    <p:spTree>
+      <p:nvGrpSpPr>
+        <p:cNvPr id="1" name=""/>
+        <p:cNvGrpSpPr/>
+        <p:nvPr/>
+      </p:nvGrpSpPr>
+      <p:grpSpPr>
+        <a:xfrm>
+          <a:off x="0" y="0"/>
+          <a:ext cx="0" cy="0"/>
+          <a:chOff x="0" y="0"/>
+          <a:chExt cx="0" cy="0"/>
+        </a:xfrm>
+      </p:grpSpPr>
+      <p:sp>
+        <p:nvSpPr>
+          <p:cNvPr id="2" name="슬라이드 이미지 개체 틀 1"/>
+          <p:cNvSpPr>
+            <a:spLocks noGrp="1" noRot="1" noChangeAspect="1"/>
+          </p:cNvSpPr>
+          <p:nvPr>
+            <p:ph type="sldImg"/>
+          </p:nvPr>
+        </p:nvSpPr>
+        <p:spPr/>
+      </p:sp>
+      <p:sp>
+        <p:nvSpPr>
+          <p:cNvPr id="3" name="슬라이드 노트 개체 틀 2"/>
+          <p:cNvSpPr>
+            <a:spLocks noGrp="1"/>
+          </p:cNvSpPr>
+          <p:nvPr>
+            <p:ph type="body" idx="1"/>
+          </p:nvPr>
+        </p:nvSpPr>
+        <p:spPr/>
+        <p:txBody>
+          <a:bodyPr/>
+          <a:lstStyle/>
+          <a:p>
+            <a:pPr marL="0" marR="0" lvl="0" indent="0" algn="l" defTabSz="914400" rtl="0" eaLnBrk="1" fontAlgn="auto" latinLnBrk="1" hangingPunct="1">
+              <a:lnSpc>
+                <a:spcPct val="100000"/>
+              </a:lnSpc>
+              <a:spcBef>
+                <a:spcPts val="0"/>
+              </a:spcBef>
+              <a:spcAft>
+                <a:spcPts val="0"/>
+              </a:spcAft>
+              <a:buClrTx/>
+              <a:buSzTx/>
+              <a:buFontTx/>
+              <a:buNone/>
+              <a:tabLst/>
+              <a:defRPr/>
+            </a:pPr>
+            <a:r>
+              <a:rPr lang="ko-KR" altLang="en-US" sz="1200" dirty="0">
+                <a:ln>
+                  <a:solidFill>
+                    <a:schemeClr val="accent1">
+                      <a:alpha val="0"/>
+                    </a:schemeClr>
+                  </a:solidFill>
+                </a:ln>
+                <a:solidFill>
+                  <a:srgbClr val="54535B"/>
+                </a:solidFill>
+                <a:latin typeface="-윤고딕320" panose="02030504000101010101" pitchFamily="18" charset="-127"/>
+                <a:ea typeface="-윤고딕320" panose="02030504000101010101" pitchFamily="18" charset="-127"/>
+              </a:rPr>
+              <a:t>카드 사진 보여주면서 혜택을 비교하여 추천해주는 카드를 골라준다는 설명 </a:t>
+            </a:r>
+          </a:p>
+          <a:p>
+            <a:endParaRPr lang="ko-KR" altLang="en-US" dirty="0"/>
+          </a:p>
+        </p:txBody>
+      </p:sp>
+      <p:sp>
+        <p:nvSpPr>
+          <p:cNvPr id="4" name="슬라이드 번호 개체 틀 3"/>
+          <p:cNvSpPr>
+            <a:spLocks noGrp="1"/>
+          </p:cNvSpPr>
+          <p:nvPr>
+            <p:ph type="sldNum" sz="quarter" idx="5"/>
+          </p:nvPr>
+        </p:nvSpPr>
+        <p:spPr/>
+        <p:txBody>
+          <a:bodyPr/>
+          <a:lstStyle/>
+          <a:p>
+            <a:fld id="{2CE03C39-EB77-4B74-8337-CDD637B9914E}" type="slidenum">
+              <a:rPr lang="ko-KR" altLang="en-US" smtClean="0"/>
+              <a:t>3</a:t>
+            </a:fld>
+            <a:endParaRPr lang="ko-KR" altLang="en-US"/>
+          </a:p>
+        </p:txBody>
+      </p:sp>
+    </p:spTree>
+    <p:extLst>
+      <p:ext uri="{BB962C8B-B14F-4D97-AF65-F5344CB8AC3E}">
+        <p14:creationId xmlns:p14="http://schemas.microsoft.com/office/powerpoint/2010/main" val="3187502817"/>
+      </p:ext>
+    </p:extLst>
+  </p:cSld>
+  <p:clrMapOvr>
+    <a:masterClrMapping/>
+  </p:clrMapOvr>
+</p:notes>
+</file>
+
+<file path=ppt/notesSlides/notesSlide2.xml><?xml version="1.0" encoding="utf-8"?>
+<p:notes xmlns:a="http://schemas.openxmlformats.org/drawingml/2006/main" xmlns:r="http://schemas.openxmlformats.org/officeDocument/2006/relationships" xmlns:p="http://schemas.openxmlformats.org/presentationml/2006/main">
+  <p:cSld>
+    <p:spTree>
+      <p:nvGrpSpPr>
+        <p:cNvPr id="1" name=""/>
+        <p:cNvGrpSpPr/>
+        <p:nvPr/>
+      </p:nvGrpSpPr>
+      <p:grpSpPr>
+        <a:xfrm>
+          <a:off x="0" y="0"/>
+          <a:ext cx="0" cy="0"/>
+          <a:chOff x="0" y="0"/>
+          <a:chExt cx="0" cy="0"/>
+        </a:xfrm>
+      </p:grpSpPr>
+      <p:sp>
+        <p:nvSpPr>
+          <p:cNvPr id="2" name="슬라이드 이미지 개체 틀 1"/>
+          <p:cNvSpPr>
+            <a:spLocks noGrp="1" noRot="1" noChangeAspect="1"/>
+          </p:cNvSpPr>
+          <p:nvPr>
+            <p:ph type="sldImg"/>
+          </p:nvPr>
+        </p:nvSpPr>
+        <p:spPr/>
+      </p:sp>
+      <p:sp>
+        <p:nvSpPr>
+          <p:cNvPr id="3" name="슬라이드 노트 개체 틀 2"/>
+          <p:cNvSpPr>
+            <a:spLocks noGrp="1"/>
+          </p:cNvSpPr>
+          <p:nvPr>
+            <p:ph type="body" idx="1"/>
+          </p:nvPr>
+        </p:nvSpPr>
+        <p:spPr/>
+        <p:txBody>
+          <a:bodyPr/>
+          <a:lstStyle/>
+          <a:p>
+            <a:pPr marL="0" marR="0" lvl="0" indent="0" algn="l" defTabSz="914400" rtl="0" eaLnBrk="1" fontAlgn="auto" latinLnBrk="1" hangingPunct="1">
+              <a:lnSpc>
+                <a:spcPct val="100000"/>
+              </a:lnSpc>
+              <a:spcBef>
+                <a:spcPts val="0"/>
+              </a:spcBef>
+              <a:spcAft>
+                <a:spcPts val="0"/>
+              </a:spcAft>
+              <a:buClrTx/>
+              <a:buSzTx/>
+              <a:buFontTx/>
+              <a:buNone/>
+              <a:tabLst/>
+              <a:defRPr/>
+            </a:pPr>
+            <a:r>
+              <a:rPr lang="ko-KR" altLang="en-US" sz="1200" dirty="0">
+                <a:ln>
+                  <a:solidFill>
+                    <a:schemeClr val="accent1">
+                      <a:alpha val="0"/>
+                    </a:schemeClr>
+                  </a:solidFill>
+                </a:ln>
+                <a:solidFill>
+                  <a:srgbClr val="54535B"/>
+                </a:solidFill>
+                <a:latin typeface="-윤고딕320" panose="02030504000101010101" pitchFamily="18" charset="-127"/>
+                <a:ea typeface="-윤고딕320" panose="02030504000101010101" pitchFamily="18" charset="-127"/>
+              </a:rPr>
+              <a:t>카드 사진 보여주면서 혜택을 비교하여 추천해주는 카드를 골라준다는 설명 </a:t>
+            </a:r>
+          </a:p>
+          <a:p>
+            <a:endParaRPr lang="ko-KR" altLang="en-US" dirty="0"/>
+          </a:p>
+        </p:txBody>
+      </p:sp>
+      <p:sp>
+        <p:nvSpPr>
+          <p:cNvPr id="4" name="슬라이드 번호 개체 틀 3"/>
+          <p:cNvSpPr>
+            <a:spLocks noGrp="1"/>
+          </p:cNvSpPr>
+          <p:nvPr>
+            <p:ph type="sldNum" sz="quarter" idx="5"/>
+          </p:nvPr>
+        </p:nvSpPr>
+        <p:spPr/>
+        <p:txBody>
+          <a:bodyPr/>
+          <a:lstStyle/>
+          <a:p>
+            <a:fld id="{2CE03C39-EB77-4B74-8337-CDD637B9914E}" type="slidenum">
+              <a:rPr lang="ko-KR" altLang="en-US" smtClean="0"/>
+              <a:t>4</a:t>
+            </a:fld>
+            <a:endParaRPr lang="ko-KR" altLang="en-US"/>
+          </a:p>
+        </p:txBody>
+      </p:sp>
+    </p:spTree>
+    <p:extLst>
+      <p:ext uri="{BB962C8B-B14F-4D97-AF65-F5344CB8AC3E}">
+        <p14:creationId xmlns:p14="http://schemas.microsoft.com/office/powerpoint/2010/main" val="3976784138"/>
+      </p:ext>
+    </p:extLst>
+  </p:cSld>
+  <p:clrMapOvr>
+    <a:masterClrMapping/>
+  </p:clrMapOvr>
+</p:notes>
+</file>
+
 <file path=ppt/slideLayouts/slideLayout1.xml><?xml version="1.0" encoding="utf-8"?>
 <p:sldLayout xmlns:a="http://schemas.openxmlformats.org/drawingml/2006/main" xmlns:r="http://schemas.openxmlformats.org/officeDocument/2006/relationships" xmlns:p="http://schemas.openxmlformats.org/presentationml/2006/main" type="title" preserve="1">
   <p:cSld name="제목 슬라이드">
@@ -3035,7 +3627,7 @@
           <a:p>
             <a:fld id="{CCDEF1E5-4998-47F2-BF49-17A47DE06D98}" type="datetimeFigureOut">
               <a:rPr lang="ko-KR" altLang="en-US" smtClean="0"/>
-              <a:t>2021-04-18</a:t>
+              <a:t>2021-04-19</a:t>
             </a:fld>
             <a:endParaRPr lang="ko-KR" altLang="en-US"/>
           </a:p>
@@ -3203,7 +3795,7 @@
           <a:p>
             <a:fld id="{CCDEF1E5-4998-47F2-BF49-17A47DE06D98}" type="datetimeFigureOut">
               <a:rPr lang="ko-KR" altLang="en-US" smtClean="0"/>
-              <a:t>2021-04-18</a:t>
+              <a:t>2021-04-19</a:t>
             </a:fld>
             <a:endParaRPr lang="ko-KR" altLang="en-US"/>
           </a:p>
@@ -3381,7 +3973,7 @@
           <a:p>
             <a:fld id="{CCDEF1E5-4998-47F2-BF49-17A47DE06D98}" type="datetimeFigureOut">
               <a:rPr lang="ko-KR" altLang="en-US" smtClean="0"/>
-              <a:t>2021-04-18</a:t>
+              <a:t>2021-04-19</a:t>
             </a:fld>
             <a:endParaRPr lang="ko-KR" altLang="en-US"/>
           </a:p>
@@ -3549,7 +4141,7 @@
           <a:p>
             <a:fld id="{CCDEF1E5-4998-47F2-BF49-17A47DE06D98}" type="datetimeFigureOut">
               <a:rPr lang="ko-KR" altLang="en-US" smtClean="0"/>
-              <a:t>2021-04-18</a:t>
+              <a:t>2021-04-19</a:t>
             </a:fld>
             <a:endParaRPr lang="ko-KR" altLang="en-US"/>
           </a:p>
@@ -3794,7 +4386,7 @@
           <a:p>
             <a:fld id="{CCDEF1E5-4998-47F2-BF49-17A47DE06D98}" type="datetimeFigureOut">
               <a:rPr lang="ko-KR" altLang="en-US" smtClean="0"/>
-              <a:t>2021-04-18</a:t>
+              <a:t>2021-04-19</a:t>
             </a:fld>
             <a:endParaRPr lang="ko-KR" altLang="en-US"/>
           </a:p>
@@ -4023,7 +4615,7 @@
           <a:p>
             <a:fld id="{CCDEF1E5-4998-47F2-BF49-17A47DE06D98}" type="datetimeFigureOut">
               <a:rPr lang="ko-KR" altLang="en-US" smtClean="0"/>
-              <a:t>2021-04-18</a:t>
+              <a:t>2021-04-19</a:t>
             </a:fld>
             <a:endParaRPr lang="ko-KR" altLang="en-US"/>
           </a:p>
@@ -4387,7 +4979,7 @@
           <a:p>
             <a:fld id="{CCDEF1E5-4998-47F2-BF49-17A47DE06D98}" type="datetimeFigureOut">
               <a:rPr lang="ko-KR" altLang="en-US" smtClean="0"/>
-              <a:t>2021-04-18</a:t>
+              <a:t>2021-04-19</a:t>
             </a:fld>
             <a:endParaRPr lang="ko-KR" altLang="en-US"/>
           </a:p>
@@ -4504,7 +5096,7 @@
           <a:p>
             <a:fld id="{CCDEF1E5-4998-47F2-BF49-17A47DE06D98}" type="datetimeFigureOut">
               <a:rPr lang="ko-KR" altLang="en-US" smtClean="0"/>
-              <a:t>2021-04-18</a:t>
+              <a:t>2021-04-19</a:t>
             </a:fld>
             <a:endParaRPr lang="ko-KR" altLang="en-US"/>
           </a:p>
@@ -4599,7 +5191,7 @@
           <a:p>
             <a:fld id="{CCDEF1E5-4998-47F2-BF49-17A47DE06D98}" type="datetimeFigureOut">
               <a:rPr lang="ko-KR" altLang="en-US" smtClean="0"/>
-              <a:t>2021-04-18</a:t>
+              <a:t>2021-04-19</a:t>
             </a:fld>
             <a:endParaRPr lang="ko-KR" altLang="en-US"/>
           </a:p>
@@ -4874,7 +5466,7 @@
           <a:p>
             <a:fld id="{CCDEF1E5-4998-47F2-BF49-17A47DE06D98}" type="datetimeFigureOut">
               <a:rPr lang="ko-KR" altLang="en-US" smtClean="0"/>
-              <a:t>2021-04-18</a:t>
+              <a:t>2021-04-19</a:t>
             </a:fld>
             <a:endParaRPr lang="ko-KR" altLang="en-US"/>
           </a:p>
@@ -5126,7 +5718,7 @@
           <a:p>
             <a:fld id="{CCDEF1E5-4998-47F2-BF49-17A47DE06D98}" type="datetimeFigureOut">
               <a:rPr lang="ko-KR" altLang="en-US" smtClean="0"/>
-              <a:t>2021-04-18</a:t>
+              <a:t>2021-04-19</a:t>
             </a:fld>
             <a:endParaRPr lang="ko-KR" altLang="en-US"/>
           </a:p>
@@ -5340,7 +5932,7 @@
           <a:p>
             <a:fld id="{CCDEF1E5-4998-47F2-BF49-17A47DE06D98}" type="datetimeFigureOut">
               <a:rPr lang="ko-KR" altLang="en-US" smtClean="0"/>
-              <a:t>2021-04-18</a:t>
+              <a:t>2021-04-19</a:t>
             </a:fld>
             <a:endParaRPr lang="ko-KR" altLang="en-US"/>
           </a:p>
@@ -7513,7 +8105,7 @@
         </p:nvGraphicFramePr>
         <p:xfrm>
           <a:off x="417094" y="1847457"/>
-          <a:ext cx="11357811" cy="4683822"/>
+          <a:ext cx="11357811" cy="4673659"/>
         </p:xfrm>
         <a:graphic>
           <a:graphicData uri="http://schemas.openxmlformats.org/drawingml/2006/table">
@@ -9810,7 +10402,7 @@
         </p:nvGraphicFramePr>
         <p:xfrm>
           <a:off x="417094" y="1847457"/>
-          <a:ext cx="11357811" cy="4913376"/>
+          <a:ext cx="11357811" cy="5117526"/>
         </p:xfrm>
         <a:graphic>
           <a:graphicData uri="http://schemas.openxmlformats.org/drawingml/2006/table">
@@ -12556,7 +13148,7 @@
         </p:nvGraphicFramePr>
         <p:xfrm>
           <a:off x="949245" y="3626206"/>
-          <a:ext cx="10410526" cy="1531906"/>
+          <a:ext cx="10410526" cy="1513999"/>
         </p:xfrm>
         <a:graphic>
           <a:graphicData uri="http://schemas.openxmlformats.org/drawingml/2006/table">
@@ -13165,7 +13757,7 @@
         </p:nvGraphicFramePr>
         <p:xfrm>
           <a:off x="949245" y="1848202"/>
-          <a:ext cx="10410526" cy="1531906"/>
+          <a:ext cx="10410526" cy="1513999"/>
         </p:xfrm>
         <a:graphic>
           <a:graphicData uri="http://schemas.openxmlformats.org/drawingml/2006/table">
@@ -13561,7 +14153,7 @@
         </p:nvGraphicFramePr>
         <p:xfrm>
           <a:off x="949245" y="3626206"/>
-          <a:ext cx="10410526" cy="1531906"/>
+          <a:ext cx="10410526" cy="1513999"/>
         </p:xfrm>
         <a:graphic>
           <a:graphicData uri="http://schemas.openxmlformats.org/drawingml/2006/table">
@@ -14098,7 +14690,7 @@
         </p:nvGraphicFramePr>
         <p:xfrm>
           <a:off x="949245" y="1547456"/>
-          <a:ext cx="10410526" cy="949665"/>
+          <a:ext cx="10410526" cy="1225255"/>
         </p:xfrm>
         <a:graphic>
           <a:graphicData uri="http://schemas.openxmlformats.org/drawingml/2006/table">
@@ -14380,14 +14972,14 @@
           <p:nvPr>
             <p:extLst>
               <p:ext uri="{D42A27DB-BD31-4B8C-83A1-F6EECF244321}">
-                <p14:modId xmlns:p14="http://schemas.microsoft.com/office/powerpoint/2010/main" val="1764703667"/>
+                <p14:modId xmlns:p14="http://schemas.microsoft.com/office/powerpoint/2010/main" val="2802519970"/>
               </p:ext>
             </p:extLst>
           </p:nvPr>
         </p:nvGraphicFramePr>
         <p:xfrm>
           <a:off x="378422" y="2609644"/>
-          <a:ext cx="11435156" cy="4078848"/>
+          <a:ext cx="11435156" cy="4062909"/>
         </p:xfrm>
         <a:graphic>
           <a:graphicData uri="http://schemas.openxmlformats.org/drawingml/2006/table">
@@ -14538,19 +15130,7 @@
                           <a:ea typeface="-윤고딕320" panose="02030504000101010101" pitchFamily="18" charset="-127"/>
                           <a:cs typeface="Times New Roman" panose="02020603050405020304" pitchFamily="18" charset="0"/>
                         </a:rPr>
-                        <a:t>분석 및 추천은 가능하지만 최종적으로 결제 서비스를 제공해주지 않아 아쉬움이 </a:t>
-                      </a:r>
-                      <a:r>
-                        <a:rPr lang="ko-KR" altLang="en-US" sz="1600" b="0" kern="100" dirty="0" err="1">
-                          <a:solidFill>
-                            <a:schemeClr val="bg1"/>
-                          </a:solidFill>
-                          <a:effectLst/>
-                          <a:latin typeface="-윤고딕320" panose="02030504000101010101" pitchFamily="18" charset="-127"/>
-                          <a:ea typeface="-윤고딕320" panose="02030504000101010101" pitchFamily="18" charset="-127"/>
-                          <a:cs typeface="Times New Roman" panose="02020603050405020304" pitchFamily="18" charset="0"/>
-                        </a:rPr>
-                        <a:t>듬</a:t>
+                        <a:t>분석 및 추천은 가능하지만 최종적으로 결제 서비스를 제공해주지 않아 아쉬움</a:t>
                       </a:r>
                       <a:endParaRPr lang="ko-KR" sz="1600" b="0" kern="100" dirty="0">
                         <a:solidFill>
@@ -15637,7 +16217,7 @@
         </p:nvGraphicFramePr>
         <p:xfrm>
           <a:off x="378421" y="2112933"/>
-          <a:ext cx="11435156" cy="4507649"/>
+          <a:ext cx="11435156" cy="4736693"/>
         </p:xfrm>
         <a:graphic>
           <a:graphicData uri="http://schemas.openxmlformats.org/drawingml/2006/table">
@@ -16681,8 +17261,8 @@
         </p:nvSpPr>
         <p:spPr>
           <a:xfrm>
-            <a:off x="5305579" y="1508852"/>
-            <a:ext cx="1697858" cy="307777"/>
+            <a:off x="5305578" y="1508852"/>
+            <a:ext cx="1971521" cy="307777"/>
           </a:xfrm>
           <a:prstGeom prst="rect">
             <a:avLst/>
@@ -16979,102 +17559,6 @@
               </a:rPr>
               <a:t>도출</a:t>
             </a:r>
-          </a:p>
-        </p:txBody>
-      </p:sp>
-      <p:sp>
-        <p:nvSpPr>
-          <p:cNvPr id="57" name="직사각형 56"/>
-          <p:cNvSpPr/>
-          <p:nvPr/>
-        </p:nvSpPr>
-        <p:spPr>
-          <a:xfrm>
-            <a:off x="9114322" y="-1152061"/>
-            <a:ext cx="914400" cy="914400"/>
-          </a:xfrm>
-          <a:prstGeom prst="rect">
-            <a:avLst/>
-          </a:prstGeom>
-          <a:solidFill>
-            <a:srgbClr val="FD7C65"/>
-          </a:solidFill>
-          <a:ln>
-            <a:noFill/>
-          </a:ln>
-        </p:spPr>
-        <p:style>
-          <a:lnRef idx="2">
-            <a:schemeClr val="accent1">
-              <a:shade val="50000"/>
-            </a:schemeClr>
-          </a:lnRef>
-          <a:fillRef idx="1">
-            <a:schemeClr val="accent1"/>
-          </a:fillRef>
-          <a:effectRef idx="0">
-            <a:schemeClr val="accent1"/>
-          </a:effectRef>
-          <a:fontRef idx="minor">
-            <a:schemeClr val="lt1"/>
-          </a:fontRef>
-        </p:style>
-        <p:txBody>
-          <a:bodyPr rtlCol="0" anchor="ctr"/>
-          <a:lstStyle/>
-          <a:p>
-            <a:pPr algn="ctr"/>
-            <a:endParaRPr lang="ko-KR" altLang="en-US">
-              <a:solidFill>
-                <a:srgbClr val="FD7C65"/>
-              </a:solidFill>
-            </a:endParaRPr>
-          </a:p>
-        </p:txBody>
-      </p:sp>
-      <p:sp>
-        <p:nvSpPr>
-          <p:cNvPr id="58" name="직사각형 57"/>
-          <p:cNvSpPr/>
-          <p:nvPr/>
-        </p:nvSpPr>
-        <p:spPr>
-          <a:xfrm>
-            <a:off x="11075148" y="-1152061"/>
-            <a:ext cx="914400" cy="914400"/>
-          </a:xfrm>
-          <a:prstGeom prst="rect">
-            <a:avLst/>
-          </a:prstGeom>
-          <a:solidFill>
-            <a:srgbClr val="54535B"/>
-          </a:solidFill>
-          <a:ln>
-            <a:noFill/>
-          </a:ln>
-        </p:spPr>
-        <p:style>
-          <a:lnRef idx="2">
-            <a:schemeClr val="accent1">
-              <a:shade val="50000"/>
-            </a:schemeClr>
-          </a:lnRef>
-          <a:fillRef idx="1">
-            <a:schemeClr val="accent1"/>
-          </a:fillRef>
-          <a:effectRef idx="0">
-            <a:schemeClr val="accent1"/>
-          </a:effectRef>
-          <a:fontRef idx="minor">
-            <a:schemeClr val="lt1"/>
-          </a:fontRef>
-        </p:style>
-        <p:txBody>
-          <a:bodyPr rtlCol="0" anchor="ctr"/>
-          <a:lstStyle/>
-          <a:p>
-            <a:pPr algn="ctr"/>
-            <a:endParaRPr lang="ko-KR" altLang="en-US"/>
           </a:p>
         </p:txBody>
       </p:sp>
@@ -20156,102 +20640,6 @@
       </p:sp>
       <p:sp>
         <p:nvSpPr>
-          <p:cNvPr id="57" name="직사각형 56"/>
-          <p:cNvSpPr/>
-          <p:nvPr/>
-        </p:nvSpPr>
-        <p:spPr>
-          <a:xfrm>
-            <a:off x="9114322" y="-1152061"/>
-            <a:ext cx="914400" cy="914400"/>
-          </a:xfrm>
-          <a:prstGeom prst="rect">
-            <a:avLst/>
-          </a:prstGeom>
-          <a:solidFill>
-            <a:srgbClr val="FD7C65"/>
-          </a:solidFill>
-          <a:ln>
-            <a:noFill/>
-          </a:ln>
-        </p:spPr>
-        <p:style>
-          <a:lnRef idx="2">
-            <a:schemeClr val="accent1">
-              <a:shade val="50000"/>
-            </a:schemeClr>
-          </a:lnRef>
-          <a:fillRef idx="1">
-            <a:schemeClr val="accent1"/>
-          </a:fillRef>
-          <a:effectRef idx="0">
-            <a:schemeClr val="accent1"/>
-          </a:effectRef>
-          <a:fontRef idx="minor">
-            <a:schemeClr val="lt1"/>
-          </a:fontRef>
-        </p:style>
-        <p:txBody>
-          <a:bodyPr rtlCol="0" anchor="ctr"/>
-          <a:lstStyle/>
-          <a:p>
-            <a:pPr algn="ctr"/>
-            <a:endParaRPr lang="ko-KR" altLang="en-US">
-              <a:solidFill>
-                <a:srgbClr val="FD7C65"/>
-              </a:solidFill>
-            </a:endParaRPr>
-          </a:p>
-        </p:txBody>
-      </p:sp>
-      <p:sp>
-        <p:nvSpPr>
-          <p:cNvPr id="58" name="직사각형 57"/>
-          <p:cNvSpPr/>
-          <p:nvPr/>
-        </p:nvSpPr>
-        <p:spPr>
-          <a:xfrm>
-            <a:off x="11075148" y="-1152061"/>
-            <a:ext cx="914400" cy="914400"/>
-          </a:xfrm>
-          <a:prstGeom prst="rect">
-            <a:avLst/>
-          </a:prstGeom>
-          <a:solidFill>
-            <a:srgbClr val="54535B"/>
-          </a:solidFill>
-          <a:ln>
-            <a:noFill/>
-          </a:ln>
-        </p:spPr>
-        <p:style>
-          <a:lnRef idx="2">
-            <a:schemeClr val="accent1">
-              <a:shade val="50000"/>
-            </a:schemeClr>
-          </a:lnRef>
-          <a:fillRef idx="1">
-            <a:schemeClr val="accent1"/>
-          </a:fillRef>
-          <a:effectRef idx="0">
-            <a:schemeClr val="accent1"/>
-          </a:effectRef>
-          <a:fontRef idx="minor">
-            <a:schemeClr val="lt1"/>
-          </a:fontRef>
-        </p:style>
-        <p:txBody>
-          <a:bodyPr rtlCol="0" anchor="ctr"/>
-          <a:lstStyle/>
-          <a:p>
-            <a:pPr algn="ctr"/>
-            <a:endParaRPr lang="ko-KR" altLang="en-US"/>
-          </a:p>
-        </p:txBody>
-      </p:sp>
-      <p:sp>
-        <p:nvSpPr>
           <p:cNvPr id="61" name="TextBox 60">
             <a:extLst>
               <a:ext uri="{FF2B5EF4-FFF2-40B4-BE49-F238E27FC236}">
@@ -23173,7 +23561,7 @@
         </p:nvSpPr>
         <p:spPr>
           <a:xfrm>
-            <a:off x="5526664" y="2279013"/>
+            <a:off x="5972175" y="2288644"/>
             <a:ext cx="1205779" cy="338554"/>
           </a:xfrm>
           <a:prstGeom prst="rect">
@@ -23216,7 +23604,7 @@
         </p:nvSpPr>
         <p:spPr>
           <a:xfrm>
-            <a:off x="5563534" y="2840695"/>
+            <a:off x="6009045" y="2802701"/>
             <a:ext cx="1132041" cy="338554"/>
           </a:xfrm>
           <a:prstGeom prst="rect">
@@ -23259,7 +23647,7 @@
         </p:nvSpPr>
         <p:spPr>
           <a:xfrm>
-            <a:off x="5593189" y="3400158"/>
+            <a:off x="6038700" y="3362164"/>
             <a:ext cx="1072731" cy="338554"/>
           </a:xfrm>
           <a:prstGeom prst="rect">
@@ -23302,7 +23690,7 @@
         </p:nvSpPr>
         <p:spPr>
           <a:xfrm>
-            <a:off x="5695465" y="3963007"/>
+            <a:off x="6140976" y="3925013"/>
             <a:ext cx="821059" cy="338554"/>
           </a:xfrm>
           <a:prstGeom prst="rect">
@@ -23345,7 +23733,7 @@
         </p:nvSpPr>
         <p:spPr>
           <a:xfrm>
-            <a:off x="3304832" y="2317219"/>
+            <a:off x="3971582" y="2317219"/>
             <a:ext cx="551005" cy="282753"/>
           </a:xfrm>
           <a:prstGeom prst="rect">
@@ -23391,7 +23779,7 @@
         </p:nvSpPr>
         <p:spPr>
           <a:xfrm>
-            <a:off x="3388615" y="2322973"/>
+            <a:off x="4055365" y="2322973"/>
             <a:ext cx="383438" cy="276999"/>
           </a:xfrm>
           <a:prstGeom prst="rect">
@@ -23448,7 +23836,7 @@
         </p:nvSpPr>
         <p:spPr>
           <a:xfrm>
-            <a:off x="3306078" y="2878375"/>
+            <a:off x="3972828" y="2878375"/>
             <a:ext cx="551005" cy="282753"/>
           </a:xfrm>
           <a:prstGeom prst="rect">
@@ -23494,7 +23882,7 @@
         </p:nvSpPr>
         <p:spPr>
           <a:xfrm>
-            <a:off x="3388615" y="2884129"/>
+            <a:off x="4055365" y="2884129"/>
             <a:ext cx="383438" cy="276999"/>
           </a:xfrm>
           <a:prstGeom prst="rect">
@@ -23551,7 +23939,7 @@
         </p:nvSpPr>
         <p:spPr>
           <a:xfrm>
-            <a:off x="3304832" y="3439531"/>
+            <a:off x="3971582" y="3439531"/>
             <a:ext cx="551005" cy="282753"/>
           </a:xfrm>
           <a:prstGeom prst="rect">
@@ -23597,7 +23985,7 @@
         </p:nvSpPr>
         <p:spPr>
           <a:xfrm>
-            <a:off x="3388615" y="3449028"/>
+            <a:off x="4055365" y="3449028"/>
             <a:ext cx="383438" cy="276999"/>
           </a:xfrm>
           <a:prstGeom prst="rect">
@@ -23654,7 +24042,7 @@
         </p:nvSpPr>
         <p:spPr>
           <a:xfrm>
-            <a:off x="3304832" y="4000687"/>
+            <a:off x="3971582" y="4000687"/>
             <a:ext cx="551005" cy="282753"/>
           </a:xfrm>
           <a:prstGeom prst="rect">
@@ -23700,7 +24088,7 @@
         </p:nvSpPr>
         <p:spPr>
           <a:xfrm>
-            <a:off x="3388615" y="3997088"/>
+            <a:off x="4055365" y="3997088"/>
             <a:ext cx="383438" cy="276999"/>
           </a:xfrm>
           <a:prstGeom prst="rect">
@@ -23763,7 +24151,7 @@
         </p:nvSpPr>
         <p:spPr>
           <a:xfrm>
-            <a:off x="3304831" y="4552490"/>
+            <a:off x="3971581" y="4552490"/>
             <a:ext cx="551005" cy="282753"/>
           </a:xfrm>
           <a:prstGeom prst="rect">
@@ -23815,7 +24203,7 @@
         </p:nvSpPr>
         <p:spPr>
           <a:xfrm>
-            <a:off x="3388615" y="4542260"/>
+            <a:off x="4055365" y="4542260"/>
             <a:ext cx="383438" cy="276999"/>
           </a:xfrm>
           <a:prstGeom prst="rect">
@@ -23864,7 +24252,7 @@
         </p:nvSpPr>
         <p:spPr>
           <a:xfrm>
-            <a:off x="5558082" y="5057845"/>
+            <a:off x="6003593" y="5019851"/>
             <a:ext cx="1142942" cy="338554"/>
           </a:xfrm>
           <a:prstGeom prst="rect">
@@ -23930,7 +24318,7 @@
         </p:nvSpPr>
         <p:spPr>
           <a:xfrm>
-            <a:off x="3311156" y="5113646"/>
+            <a:off x="3977906" y="5113646"/>
             <a:ext cx="551005" cy="282753"/>
           </a:xfrm>
           <a:prstGeom prst="rect">
@@ -23982,7 +24370,7 @@
         </p:nvSpPr>
         <p:spPr>
           <a:xfrm>
-            <a:off x="3388615" y="5119400"/>
+            <a:off x="4055365" y="5119400"/>
             <a:ext cx="383438" cy="276999"/>
           </a:xfrm>
           <a:prstGeom prst="rect">
@@ -24031,7 +24419,7 @@
         </p:nvSpPr>
         <p:spPr>
           <a:xfrm>
-            <a:off x="5673298" y="4480705"/>
+            <a:off x="6118809" y="4442711"/>
             <a:ext cx="889987" cy="338554"/>
           </a:xfrm>
           <a:prstGeom prst="rect">
@@ -24538,80 +24926,6 @@
       </p:sp>
       <p:sp>
         <p:nvSpPr>
-          <p:cNvPr id="59" name="TextBox 58"/>
-          <p:cNvSpPr txBox="1"/>
-          <p:nvPr/>
-        </p:nvSpPr>
-        <p:spPr>
-          <a:xfrm>
-            <a:off x="3054632" y="7106202"/>
-            <a:ext cx="5865708" cy="307777"/>
-          </a:xfrm>
-          <a:prstGeom prst="rect">
-            <a:avLst/>
-          </a:prstGeom>
-          <a:noFill/>
-        </p:spPr>
-        <p:txBody>
-          <a:bodyPr wrap="none" rtlCol="0">
-            <a:spAutoFit/>
-          </a:bodyPr>
-          <a:lstStyle/>
-          <a:p>
-            <a:pPr algn="ctr"/>
-            <a:r>
-              <a:rPr lang="ko-KR" altLang="en-US" sz="1400" dirty="0">
-                <a:ln>
-                  <a:solidFill>
-                    <a:schemeClr val="accent1">
-                      <a:alpha val="0"/>
-                    </a:schemeClr>
-                  </a:solidFill>
-                </a:ln>
-                <a:solidFill>
-                  <a:srgbClr val="54535B"/>
-                </a:solidFill>
-                <a:latin typeface="-윤고딕320" panose="02030504000101010101" pitchFamily="18" charset="-127"/>
-                <a:ea typeface="-윤고딕320" panose="02030504000101010101" pitchFamily="18" charset="-127"/>
-              </a:rPr>
-              <a:t>카드 </a:t>
-            </a:r>
-            <a:r>
-              <a:rPr lang="ko-KR" altLang="en-US" sz="1400">
-                <a:ln>
-                  <a:solidFill>
-                    <a:schemeClr val="accent1">
-                      <a:alpha val="0"/>
-                    </a:schemeClr>
-                  </a:solidFill>
-                </a:ln>
-                <a:solidFill>
-                  <a:srgbClr val="54535B"/>
-                </a:solidFill>
-                <a:latin typeface="-윤고딕320" panose="02030504000101010101" pitchFamily="18" charset="-127"/>
-                <a:ea typeface="-윤고딕320" panose="02030504000101010101" pitchFamily="18" charset="-127"/>
-              </a:rPr>
-              <a:t>사진 보여주면서 혜택을 비교하여 추천해주는 카드를 골라준다는 설명 </a:t>
-            </a:r>
-            <a:endParaRPr lang="ko-KR" altLang="en-US" sz="1400" dirty="0">
-              <a:ln>
-                <a:solidFill>
-                  <a:schemeClr val="accent1">
-                    <a:alpha val="0"/>
-                  </a:schemeClr>
-                </a:solidFill>
-              </a:ln>
-              <a:solidFill>
-                <a:srgbClr val="54535B"/>
-              </a:solidFill>
-              <a:latin typeface="-윤고딕320" panose="02030504000101010101" pitchFamily="18" charset="-127"/>
-              <a:ea typeface="-윤고딕320" panose="02030504000101010101" pitchFamily="18" charset="-127"/>
-            </a:endParaRPr>
-          </a:p>
-        </p:txBody>
-      </p:sp>
-      <p:sp>
-        <p:nvSpPr>
           <p:cNvPr id="61" name="직사각형 60">
             <a:extLst>
               <a:ext uri="{FF2B5EF4-FFF2-40B4-BE49-F238E27FC236}">
@@ -24677,7 +24991,7 @@
         <p:spPr>
           <a:xfrm>
             <a:off x="3632908" y="3318479"/>
-            <a:ext cx="2964902" cy="1631216"/>
+            <a:ext cx="2964902" cy="1323439"/>
           </a:xfrm>
           <a:prstGeom prst="rect">
             <a:avLst/>
@@ -24808,40 +25122,6 @@
                 <a:latin typeface="-윤고딕340" panose="02030504000101010101" pitchFamily="18" charset="-127"/>
                 <a:ea typeface="-윤고딕340" panose="02030504000101010101" pitchFamily="18" charset="-127"/>
               </a:rPr>
-              <a:t>연매출액</a:t>
-            </a:r>
-            <a:endParaRPr lang="en-US" altLang="ko-KR" sz="2000" spc="100" dirty="0">
-              <a:ln>
-                <a:solidFill>
-                  <a:schemeClr val="accent1">
-                    <a:alpha val="0"/>
-                  </a:schemeClr>
-                </a:solidFill>
-              </a:ln>
-              <a:solidFill>
-                <a:schemeClr val="bg1"/>
-              </a:solidFill>
-              <a:latin typeface="-윤고딕340" panose="02030504000101010101" pitchFamily="18" charset="-127"/>
-              <a:ea typeface="-윤고딕340" panose="02030504000101010101" pitchFamily="18" charset="-127"/>
-            </a:endParaRPr>
-          </a:p>
-          <a:p>
-            <a:pPr algn="ctr"/>
-            <a:r>
-              <a:rPr lang="ko-KR" altLang="en-US" sz="2000" spc="100" dirty="0">
-                <a:ln>
-                  <a:solidFill>
-                    <a:schemeClr val="accent1">
-                      <a:alpha val="0"/>
-                    </a:schemeClr>
-                  </a:solidFill>
-                </a:ln>
-                <a:solidFill>
-                  <a:schemeClr val="bg1"/>
-                </a:solidFill>
-                <a:latin typeface="-윤고딕340" panose="02030504000101010101" pitchFamily="18" charset="-127"/>
-                <a:ea typeface="-윤고딕340" panose="02030504000101010101" pitchFamily="18" charset="-127"/>
-              </a:rPr>
               <a:t>소재지</a:t>
             </a:r>
             <a:endParaRPr lang="en-US" altLang="ko-KR" sz="2000" spc="100" dirty="0">
@@ -24876,7 +25156,7 @@
         <p:spPr>
           <a:xfrm>
             <a:off x="5852167" y="3318479"/>
-            <a:ext cx="2455525" cy="1631216"/>
+            <a:ext cx="2455525" cy="1323439"/>
           </a:xfrm>
           <a:prstGeom prst="rect">
             <a:avLst/>
@@ -24990,24 +25270,8 @@
                 <a:latin typeface="-윤고딕340" panose="02030504000101010101" pitchFamily="18" charset="-127"/>
                 <a:ea typeface="-윤고딕340" panose="02030504000101010101" pitchFamily="18" charset="-127"/>
               </a:rPr>
-              <a:t>앱 서비스</a:t>
+              <a:t>금융</a:t>
             </a:r>
-            <a:endParaRPr lang="en-US" altLang="ko-KR" sz="2000" spc="300" dirty="0">
-              <a:ln>
-                <a:solidFill>
-                  <a:schemeClr val="accent1">
-                    <a:alpha val="0"/>
-                  </a:schemeClr>
-                </a:solidFill>
-              </a:ln>
-              <a:solidFill>
-                <a:schemeClr val="bg1"/>
-              </a:solidFill>
-              <a:latin typeface="-윤고딕340" panose="02030504000101010101" pitchFamily="18" charset="-127"/>
-              <a:ea typeface="-윤고딕340" panose="02030504000101010101" pitchFamily="18" charset="-127"/>
-            </a:endParaRPr>
-          </a:p>
-          <a:p>
             <a:r>
               <a:rPr lang="en-US" altLang="ko-KR" sz="2000" spc="300" dirty="0">
                 <a:ln>
@@ -25023,10 +25287,10 @@
                 <a:latin typeface="-윤고딕340" panose="02030504000101010101" pitchFamily="18" charset="-127"/>
                 <a:ea typeface="-윤고딕340" panose="02030504000101010101" pitchFamily="18" charset="-127"/>
               </a:rPr>
-              <a:t>: 1</a:t>
+              <a:t>,</a:t>
             </a:r>
             <a:r>
-              <a:rPr lang="ko-KR" altLang="en-US" sz="2000" spc="300" dirty="0">
+              <a:rPr lang="ko-KR" altLang="en-US" sz="2000" spc="300" dirty="0" err="1">
                 <a:ln>
                   <a:solidFill>
                     <a:schemeClr val="accent1">
@@ -25040,7 +25304,7 @@
                 <a:latin typeface="-윤고딕340" panose="02030504000101010101" pitchFamily="18" charset="-127"/>
                 <a:ea typeface="-윤고딕340" panose="02030504000101010101" pitchFamily="18" charset="-127"/>
               </a:rPr>
-              <a:t>조</a:t>
+              <a:t>핀테크</a:t>
             </a:r>
             <a:endParaRPr lang="en-US" altLang="ko-KR" sz="2000" spc="300" dirty="0">
               <a:ln>
@@ -25123,8 +25387,8 @@
         </p:nvSpPr>
         <p:spPr>
           <a:xfrm>
-            <a:off x="2674392" y="5837157"/>
-            <a:ext cx="7308654" cy="400110"/>
+            <a:off x="2912517" y="5837157"/>
+            <a:ext cx="7308654" cy="369332"/>
           </a:xfrm>
           <a:prstGeom prst="rect">
             <a:avLst/>
@@ -25138,7 +25402,7 @@
           <a:lstStyle/>
           <a:p>
             <a:r>
-              <a:rPr lang="ko-KR" altLang="en-US" sz="2000" spc="300" dirty="0">
+              <a:rPr lang="ko-KR" altLang="en-US" spc="300" dirty="0">
                 <a:ln>
                   <a:solidFill>
                     <a:schemeClr val="accent1">
@@ -25155,7 +25419,7 @@
               <a:t>서비스 이용자에게 항상 최적</a:t>
             </a:r>
             <a:r>
-              <a:rPr lang="en-US" altLang="ko-KR" sz="2000" spc="300" dirty="0">
+              <a:rPr lang="en-US" altLang="ko-KR" spc="300" dirty="0">
                 <a:ln>
                   <a:solidFill>
                     <a:schemeClr val="accent1">
@@ -25172,7 +25436,7 @@
               <a:t>, </a:t>
             </a:r>
             <a:r>
-              <a:rPr lang="ko-KR" altLang="en-US" sz="2000" spc="300" dirty="0">
+              <a:rPr lang="ko-KR" altLang="en-US" spc="300" dirty="0">
                 <a:ln>
                   <a:solidFill>
                     <a:schemeClr val="accent1">
@@ -25188,7 +25452,7 @@
               </a:rPr>
               <a:t>최고의 이익을 제공</a:t>
             </a:r>
-            <a:endParaRPr lang="en-US" altLang="ko-KR" sz="2000" spc="300" dirty="0">
+            <a:endParaRPr lang="en-US" altLang="ko-KR" spc="300" dirty="0">
               <a:ln>
                 <a:solidFill>
                   <a:schemeClr val="accent1">
@@ -25622,80 +25886,6 @@
           </a:p>
         </p:txBody>
       </p:sp>
-      <p:sp>
-        <p:nvSpPr>
-          <p:cNvPr id="59" name="TextBox 58"/>
-          <p:cNvSpPr txBox="1"/>
-          <p:nvPr/>
-        </p:nvSpPr>
-        <p:spPr>
-          <a:xfrm>
-            <a:off x="3054632" y="7106202"/>
-            <a:ext cx="5865708" cy="307777"/>
-          </a:xfrm>
-          <a:prstGeom prst="rect">
-            <a:avLst/>
-          </a:prstGeom>
-          <a:noFill/>
-        </p:spPr>
-        <p:txBody>
-          <a:bodyPr wrap="none" rtlCol="0">
-            <a:spAutoFit/>
-          </a:bodyPr>
-          <a:lstStyle/>
-          <a:p>
-            <a:pPr algn="ctr"/>
-            <a:r>
-              <a:rPr lang="ko-KR" altLang="en-US" sz="1400" dirty="0">
-                <a:ln>
-                  <a:solidFill>
-                    <a:schemeClr val="accent1">
-                      <a:alpha val="0"/>
-                    </a:schemeClr>
-                  </a:solidFill>
-                </a:ln>
-                <a:solidFill>
-                  <a:srgbClr val="54535B"/>
-                </a:solidFill>
-                <a:latin typeface="-윤고딕320" panose="02030504000101010101" pitchFamily="18" charset="-127"/>
-                <a:ea typeface="-윤고딕320" panose="02030504000101010101" pitchFamily="18" charset="-127"/>
-              </a:rPr>
-              <a:t>카드 </a:t>
-            </a:r>
-            <a:r>
-              <a:rPr lang="ko-KR" altLang="en-US" sz="1400">
-                <a:ln>
-                  <a:solidFill>
-                    <a:schemeClr val="accent1">
-                      <a:alpha val="0"/>
-                    </a:schemeClr>
-                  </a:solidFill>
-                </a:ln>
-                <a:solidFill>
-                  <a:srgbClr val="54535B"/>
-                </a:solidFill>
-                <a:latin typeface="-윤고딕320" panose="02030504000101010101" pitchFamily="18" charset="-127"/>
-                <a:ea typeface="-윤고딕320" panose="02030504000101010101" pitchFamily="18" charset="-127"/>
-              </a:rPr>
-              <a:t>사진 보여주면서 혜택을 비교하여 추천해주는 카드를 골라준다는 설명 </a:t>
-            </a:r>
-            <a:endParaRPr lang="ko-KR" altLang="en-US" sz="1400" dirty="0">
-              <a:ln>
-                <a:solidFill>
-                  <a:schemeClr val="accent1">
-                    <a:alpha val="0"/>
-                  </a:schemeClr>
-                </a:solidFill>
-              </a:ln>
-              <a:solidFill>
-                <a:srgbClr val="54535B"/>
-              </a:solidFill>
-              <a:latin typeface="-윤고딕320" panose="02030504000101010101" pitchFamily="18" charset="-127"/>
-              <a:ea typeface="-윤고딕320" panose="02030504000101010101" pitchFamily="18" charset="-127"/>
-            </a:endParaRPr>
-          </a:p>
-        </p:txBody>
-      </p:sp>
       <p:pic>
         <p:nvPicPr>
           <p:cNvPr id="1026" name="Picture 2" descr="신용 카드 결제일 언제로 해야 할까?">
@@ -25711,7 +25901,7 @@
           <p:nvPr/>
         </p:nvPicPr>
         <p:blipFill>
-          <a:blip r:embed="rId2">
+          <a:blip r:embed="rId3">
             <a:extLst>
               <a:ext uri="{28A0092B-C50C-407E-A947-70E740481C1C}">
                 <a14:useLocalDpi xmlns:a14="http://schemas.microsoft.com/office/drawing/2010/main" val="0"/>
@@ -25779,7 +25969,7 @@
           <p:nvPr/>
         </p:nvPicPr>
         <p:blipFill>
-          <a:blip r:embed="rId3">
+          <a:blip r:embed="rId4">
             <a:extLst>
               <a:ext uri="{28A0092B-C50C-407E-A947-70E740481C1C}">
                 <a14:useLocalDpi xmlns:a14="http://schemas.microsoft.com/office/drawing/2010/main" val="0"/>
@@ -25898,7 +26088,7 @@
         <p:spPr>
           <a:xfrm>
             <a:off x="1859231" y="5009449"/>
-            <a:ext cx="2390799" cy="338554"/>
+            <a:ext cx="2903604" cy="338554"/>
           </a:xfrm>
           <a:prstGeom prst="rect">
             <a:avLst/>
@@ -25955,8 +26145,8 @@
         </p:nvSpPr>
         <p:spPr>
           <a:xfrm>
-            <a:off x="8940719" y="5009449"/>
-            <a:ext cx="1261606" cy="338554"/>
+            <a:off x="8940718" y="5009449"/>
+            <a:ext cx="1532209" cy="338554"/>
           </a:xfrm>
           <a:prstGeom prst="rect">
             <a:avLst/>
@@ -26567,7 +26757,7 @@
         <p:spPr>
           <a:xfrm>
             <a:off x="6323825" y="2090802"/>
-            <a:ext cx="4472242" cy="1077218"/>
+            <a:ext cx="4472242" cy="1323439"/>
           </a:xfrm>
           <a:prstGeom prst="rect">
             <a:avLst/>
@@ -26580,13 +26770,10 @@
           </a:bodyPr>
           <a:lstStyle/>
           <a:p>
-            <a:r>
-              <a:rPr lang="en-US" altLang="ko-KR" sz="1600" dirty="0">
-                <a:latin typeface="-윤고딕320" panose="02030504000101010101" pitchFamily="18" charset="-127"/>
-                <a:ea typeface="-윤고딕320" panose="02030504000101010101" pitchFamily="18" charset="-127"/>
-              </a:rPr>
-              <a:t>- </a:t>
-            </a:r>
+            <a:pPr marL="285750" indent="-285750">
+              <a:buFontTx/>
+              <a:buChar char="-"/>
+            </a:pPr>
             <a:r>
               <a:rPr lang="ko-KR" altLang="en-US" sz="1600" dirty="0">
                 <a:latin typeface="-윤고딕320" panose="02030504000101010101" pitchFamily="18" charset="-127"/>
@@ -26608,6 +26795,16 @@
               </a:rPr>
               <a:t>억장으로 신용카드의 이용자는 계속 증가 중</a:t>
             </a:r>
+            <a:endParaRPr lang="en-US" altLang="ko-KR" sz="1600" dirty="0">
+              <a:latin typeface="-윤고딕320" panose="02030504000101010101" pitchFamily="18" charset="-127"/>
+              <a:ea typeface="-윤고딕320" panose="02030504000101010101" pitchFamily="18" charset="-127"/>
+            </a:endParaRPr>
+          </a:p>
+          <a:p>
+            <a:pPr marL="285750" indent="-285750">
+              <a:buFontTx/>
+              <a:buChar char="-"/>
+            </a:pPr>
             <a:endParaRPr lang="en-US" altLang="ko-KR" sz="1600" dirty="0">
               <a:latin typeface="-윤고딕320" panose="02030504000101010101" pitchFamily="18" charset="-127"/>
               <a:ea typeface="-윤고딕320" panose="02030504000101010101" pitchFamily="18" charset="-127"/>
@@ -26646,7 +26843,7 @@
         <p:spPr>
           <a:xfrm>
             <a:off x="6307542" y="4752742"/>
-            <a:ext cx="4767606" cy="1077218"/>
+            <a:ext cx="4767606" cy="1323439"/>
           </a:xfrm>
           <a:prstGeom prst="rect">
             <a:avLst/>
@@ -26705,6 +26902,16 @@
               </a:rPr>
               <a:t> </a:t>
             </a:r>
+          </a:p>
+          <a:p>
+            <a:pPr marL="285750" indent="-285750">
+              <a:buFontTx/>
+              <a:buChar char="-"/>
+            </a:pPr>
+            <a:endParaRPr lang="en-US" altLang="ko-KR" sz="1600" dirty="0">
+              <a:latin typeface="-윤고딕320" panose="02030504000101010101" pitchFamily="18" charset="-127"/>
+              <a:ea typeface="-윤고딕320" panose="02030504000101010101" pitchFamily="18" charset="-127"/>
+            </a:endParaRPr>
           </a:p>
           <a:p>
             <a:r>
@@ -27069,7 +27276,7 @@
         </p:nvGraphicFramePr>
         <p:xfrm>
           <a:off x="132347" y="2103038"/>
-          <a:ext cx="11863137" cy="4423593"/>
+          <a:ext cx="11863137" cy="4699447"/>
         </p:xfrm>
         <a:graphic>
           <a:graphicData uri="http://schemas.openxmlformats.org/drawingml/2006/table">
@@ -29141,7 +29348,7 @@
         </p:nvGraphicFramePr>
         <p:xfrm>
           <a:off x="130074" y="2050401"/>
-          <a:ext cx="11859474" cy="4639157"/>
+          <a:ext cx="11859474" cy="4765919"/>
         </p:xfrm>
         <a:graphic>
           <a:graphicData uri="http://schemas.openxmlformats.org/drawingml/2006/table">
@@ -31532,7 +31739,7 @@
         </p:nvGraphicFramePr>
         <p:xfrm>
           <a:off x="130074" y="2050405"/>
-          <a:ext cx="11859474" cy="4562301"/>
+          <a:ext cx="11859474" cy="4623670"/>
         </p:xfrm>
         <a:graphic>
           <a:graphicData uri="http://schemas.openxmlformats.org/drawingml/2006/table">
@@ -33621,7 +33828,7 @@
         </p:nvGraphicFramePr>
         <p:xfrm>
           <a:off x="417094" y="1847457"/>
-          <a:ext cx="11357811" cy="4710176"/>
+          <a:ext cx="11357811" cy="4686043"/>
         </p:xfrm>
         <a:graphic>
           <a:graphicData uri="http://schemas.openxmlformats.org/drawingml/2006/table">
@@ -35946,4 +36153,299 @@
     </a:ext>
   </a:extLst>
 </a:theme>
+</file>
+
+<file path=ppt/theme/theme2.xml><?xml version="1.0" encoding="utf-8"?>
+<a:theme xmlns:a="http://schemas.openxmlformats.org/drawingml/2006/main" name="Office 테마">
+  <a:themeElements>
+    <a:clrScheme name="Office">
+      <a:dk1>
+        <a:sysClr val="windowText" lastClr="000000"/>
+      </a:dk1>
+      <a:lt1>
+        <a:sysClr val="window" lastClr="FFFFFF"/>
+      </a:lt1>
+      <a:dk2>
+        <a:srgbClr val="44546A"/>
+      </a:dk2>
+      <a:lt2>
+        <a:srgbClr val="E7E6E6"/>
+      </a:lt2>
+      <a:accent1>
+        <a:srgbClr val="4472C4"/>
+      </a:accent1>
+      <a:accent2>
+        <a:srgbClr val="ED7D31"/>
+      </a:accent2>
+      <a:accent3>
+        <a:srgbClr val="A5A5A5"/>
+      </a:accent3>
+      <a:accent4>
+        <a:srgbClr val="FFC000"/>
+      </a:accent4>
+      <a:accent5>
+        <a:srgbClr val="5B9BD5"/>
+      </a:accent5>
+      <a:accent6>
+        <a:srgbClr val="70AD47"/>
+      </a:accent6>
+      <a:hlink>
+        <a:srgbClr val="0563C1"/>
+      </a:hlink>
+      <a:folHlink>
+        <a:srgbClr val="954F72"/>
+      </a:folHlink>
+    </a:clrScheme>
+    <a:fontScheme name="Office">
+      <a:majorFont>
+        <a:latin typeface="맑은 고딕" panose="020F0302020204030204"/>
+        <a:ea typeface=""/>
+        <a:cs typeface=""/>
+        <a:font script="Jpan" typeface="游ゴシック Light"/>
+        <a:font script="Hang" typeface="맑은 고딕"/>
+        <a:font script="Hans" typeface="等线 Light"/>
+        <a:font script="Hant" typeface="新細明體"/>
+        <a:font script="Arab" typeface="Times New Roman"/>
+        <a:font script="Hebr" typeface="Times New Roman"/>
+        <a:font script="Thai" typeface="Angsana New"/>
+        <a:font script="Ethi" typeface="Nyala"/>
+        <a:font script="Beng" typeface="Vrinda"/>
+        <a:font script="Gujr" typeface="Shruti"/>
+        <a:font script="Khmr" typeface="MoolBoran"/>
+        <a:font script="Knda" typeface="Tunga"/>
+        <a:font script="Guru" typeface="Raavi"/>
+        <a:font script="Cans" typeface="Euphemia"/>
+        <a:font script="Cher" typeface="Plantagenet Cherokee"/>
+        <a:font script="Yiii" typeface="Microsoft Yi Baiti"/>
+        <a:font script="Tibt" typeface="Microsoft Himalaya"/>
+        <a:font script="Thaa" typeface="MV Boli"/>
+        <a:font script="Deva" typeface="Mangal"/>
+        <a:font script="Telu" typeface="Gautami"/>
+        <a:font script="Taml" typeface="Latha"/>
+        <a:font script="Syrc" typeface="Estrangelo Edessa"/>
+        <a:font script="Orya" typeface="Kalinga"/>
+        <a:font script="Mlym" typeface="Kartika"/>
+        <a:font script="Laoo" typeface="DokChampa"/>
+        <a:font script="Sinh" typeface="Iskoola Pota"/>
+        <a:font script="Mong" typeface="Mongolian Baiti"/>
+        <a:font script="Viet" typeface="Times New Roman"/>
+        <a:font script="Uigh" typeface="Microsoft Uighur"/>
+        <a:font script="Geor" typeface="Sylfaen"/>
+        <a:font script="Armn" typeface="Arial"/>
+        <a:font script="Bugi" typeface="Leelawadee UI"/>
+        <a:font script="Bopo" typeface="Microsoft JhengHei"/>
+        <a:font script="Java" typeface="Javanese Text"/>
+        <a:font script="Lisu" typeface="Segoe UI"/>
+        <a:font script="Mymr" typeface="Myanmar Text"/>
+        <a:font script="Nkoo" typeface="Ebrima"/>
+        <a:font script="Olck" typeface="Nirmala UI"/>
+        <a:font script="Osma" typeface="Ebrima"/>
+        <a:font script="Phag" typeface="Phagspa"/>
+        <a:font script="Syrn" typeface="Estrangelo Edessa"/>
+        <a:font script="Syrj" typeface="Estrangelo Edessa"/>
+        <a:font script="Syre" typeface="Estrangelo Edessa"/>
+        <a:font script="Sora" typeface="Nirmala UI"/>
+        <a:font script="Tale" typeface="Microsoft Tai Le"/>
+        <a:font script="Talu" typeface="Microsoft New Tai Lue"/>
+        <a:font script="Tfng" typeface="Ebrima"/>
+      </a:majorFont>
+      <a:minorFont>
+        <a:latin typeface="맑은 고딕" panose="020F0502020204030204"/>
+        <a:ea typeface=""/>
+        <a:cs typeface=""/>
+        <a:font script="Jpan" typeface="游ゴシック"/>
+        <a:font script="Hang" typeface="맑은 고딕"/>
+        <a:font script="Hans" typeface="等线"/>
+        <a:font script="Hant" typeface="新細明體"/>
+        <a:font script="Arab" typeface="Arial"/>
+        <a:font script="Hebr" typeface="Arial"/>
+        <a:font script="Thai" typeface="Cordia New"/>
+        <a:font script="Ethi" typeface="Nyala"/>
+        <a:font script="Beng" typeface="Vrinda"/>
+        <a:font script="Gujr" typeface="Shruti"/>
+        <a:font script="Khmr" typeface="DaunPenh"/>
+        <a:font script="Knda" typeface="Tunga"/>
+        <a:font script="Guru" typeface="Raavi"/>
+        <a:font script="Cans" typeface="Euphemia"/>
+        <a:font script="Cher" typeface="Plantagenet Cherokee"/>
+        <a:font script="Yiii" typeface="Microsoft Yi Baiti"/>
+        <a:font script="Tibt" typeface="Microsoft Himalaya"/>
+        <a:font script="Thaa" typeface="MV Boli"/>
+        <a:font script="Deva" typeface="Mangal"/>
+        <a:font script="Telu" typeface="Gautami"/>
+        <a:font script="Taml" typeface="Latha"/>
+        <a:font script="Syrc" typeface="Estrangelo Edessa"/>
+        <a:font script="Orya" typeface="Kalinga"/>
+        <a:font script="Mlym" typeface="Kartika"/>
+        <a:font script="Laoo" typeface="DokChampa"/>
+        <a:font script="Sinh" typeface="Iskoola Pota"/>
+        <a:font script="Mong" typeface="Mongolian Baiti"/>
+        <a:font script="Viet" typeface="Arial"/>
+        <a:font script="Uigh" typeface="Microsoft Uighur"/>
+        <a:font script="Geor" typeface="Sylfaen"/>
+        <a:font script="Armn" typeface="Arial"/>
+        <a:font script="Bugi" typeface="Leelawadee UI"/>
+        <a:font script="Bopo" typeface="Microsoft JhengHei"/>
+        <a:font script="Java" typeface="Javanese Text"/>
+        <a:font script="Lisu" typeface="Segoe UI"/>
+        <a:font script="Mymr" typeface="Myanmar Text"/>
+        <a:font script="Nkoo" typeface="Ebrima"/>
+        <a:font script="Olck" typeface="Nirmala UI"/>
+        <a:font script="Osma" typeface="Ebrima"/>
+        <a:font script="Phag" typeface="Phagspa"/>
+        <a:font script="Syrn" typeface="Estrangelo Edessa"/>
+        <a:font script="Syrj" typeface="Estrangelo Edessa"/>
+        <a:font script="Syre" typeface="Estrangelo Edessa"/>
+        <a:font script="Sora" typeface="Nirmala UI"/>
+        <a:font script="Tale" typeface="Microsoft Tai Le"/>
+        <a:font script="Talu" typeface="Microsoft New Tai Lue"/>
+        <a:font script="Tfng" typeface="Ebrima"/>
+      </a:minorFont>
+    </a:fontScheme>
+    <a:fmtScheme name="Office">
+      <a:fillStyleLst>
+        <a:solidFill>
+          <a:schemeClr val="phClr"/>
+        </a:solidFill>
+        <a:gradFill rotWithShape="1">
+          <a:gsLst>
+            <a:gs pos="0">
+              <a:schemeClr val="phClr">
+                <a:lumMod val="110000"/>
+                <a:satMod val="105000"/>
+                <a:tint val="67000"/>
+              </a:schemeClr>
+            </a:gs>
+            <a:gs pos="50000">
+              <a:schemeClr val="phClr">
+                <a:lumMod val="105000"/>
+                <a:satMod val="103000"/>
+                <a:tint val="73000"/>
+              </a:schemeClr>
+            </a:gs>
+            <a:gs pos="100000">
+              <a:schemeClr val="phClr">
+                <a:lumMod val="105000"/>
+                <a:satMod val="109000"/>
+                <a:tint val="81000"/>
+              </a:schemeClr>
+            </a:gs>
+          </a:gsLst>
+          <a:lin ang="5400000" scaled="0"/>
+        </a:gradFill>
+        <a:gradFill rotWithShape="1">
+          <a:gsLst>
+            <a:gs pos="0">
+              <a:schemeClr val="phClr">
+                <a:satMod val="103000"/>
+                <a:lumMod val="102000"/>
+                <a:tint val="94000"/>
+              </a:schemeClr>
+            </a:gs>
+            <a:gs pos="50000">
+              <a:schemeClr val="phClr">
+                <a:satMod val="110000"/>
+                <a:lumMod val="100000"/>
+                <a:shade val="100000"/>
+              </a:schemeClr>
+            </a:gs>
+            <a:gs pos="100000">
+              <a:schemeClr val="phClr">
+                <a:lumMod val="99000"/>
+                <a:satMod val="120000"/>
+                <a:shade val="78000"/>
+              </a:schemeClr>
+            </a:gs>
+          </a:gsLst>
+          <a:lin ang="5400000" scaled="0"/>
+        </a:gradFill>
+      </a:fillStyleLst>
+      <a:lnStyleLst>
+        <a:ln w="6350" cap="flat" cmpd="sng" algn="ctr">
+          <a:solidFill>
+            <a:schemeClr val="phClr"/>
+          </a:solidFill>
+          <a:prstDash val="solid"/>
+          <a:miter lim="800000"/>
+        </a:ln>
+        <a:ln w="12700" cap="flat" cmpd="sng" algn="ctr">
+          <a:solidFill>
+            <a:schemeClr val="phClr"/>
+          </a:solidFill>
+          <a:prstDash val="solid"/>
+          <a:miter lim="800000"/>
+        </a:ln>
+        <a:ln w="19050" cap="flat" cmpd="sng" algn="ctr">
+          <a:solidFill>
+            <a:schemeClr val="phClr"/>
+          </a:solidFill>
+          <a:prstDash val="solid"/>
+          <a:miter lim="800000"/>
+        </a:ln>
+      </a:lnStyleLst>
+      <a:effectStyleLst>
+        <a:effectStyle>
+          <a:effectLst/>
+        </a:effectStyle>
+        <a:effectStyle>
+          <a:effectLst/>
+        </a:effectStyle>
+        <a:effectStyle>
+          <a:effectLst>
+            <a:outerShdw blurRad="57150" dist="19050" dir="5400000" algn="ctr" rotWithShape="0">
+              <a:srgbClr val="000000">
+                <a:alpha val="63000"/>
+              </a:srgbClr>
+            </a:outerShdw>
+          </a:effectLst>
+        </a:effectStyle>
+      </a:effectStyleLst>
+      <a:bgFillStyleLst>
+        <a:solidFill>
+          <a:schemeClr val="phClr"/>
+        </a:solidFill>
+        <a:solidFill>
+          <a:schemeClr val="phClr">
+            <a:tint val="95000"/>
+            <a:satMod val="170000"/>
+          </a:schemeClr>
+        </a:solidFill>
+        <a:gradFill rotWithShape="1">
+          <a:gsLst>
+            <a:gs pos="0">
+              <a:schemeClr val="phClr">
+                <a:tint val="93000"/>
+                <a:satMod val="150000"/>
+                <a:shade val="98000"/>
+                <a:lumMod val="102000"/>
+              </a:schemeClr>
+            </a:gs>
+            <a:gs pos="50000">
+              <a:schemeClr val="phClr">
+                <a:tint val="98000"/>
+                <a:satMod val="130000"/>
+                <a:shade val="90000"/>
+                <a:lumMod val="103000"/>
+              </a:schemeClr>
+            </a:gs>
+            <a:gs pos="100000">
+              <a:schemeClr val="phClr">
+                <a:shade val="63000"/>
+                <a:satMod val="120000"/>
+              </a:schemeClr>
+            </a:gs>
+          </a:gsLst>
+          <a:lin ang="5400000" scaled="0"/>
+        </a:gradFill>
+      </a:bgFillStyleLst>
+    </a:fmtScheme>
+  </a:themeElements>
+  <a:objectDefaults/>
+  <a:extraClrSchemeLst/>
+  <a:extLst>
+    <a:ext uri="{05A4C25C-085E-4340-85A3-A5531E510DB2}">
+      <thm15:themeFamily xmlns:thm15="http://schemas.microsoft.com/office/thememl/2012/main" name="Office Theme" id="{62F939B6-93AF-4DB8-9C6B-D6C7DFDC589F}" vid="{4A3C46E8-61CC-4603-A589-7422A47A8E4A}"/>
+    </a:ext>
+  </a:extLst>
+</a:theme>
 </file>
--- a/사업계획서/Week7/EWon_강은영_SWOT_v1.2.pptx
+++ b/사업계획서/Week7/EWon_강은영_SWOT_v1.2.pptx
@@ -138,6 +138,9 @@
           </p15:clr>
         </p15:guide>
       </p15:sldGuideLst>
+    </p:ext>
+    <p:ext uri="{2D200454-40CA-4A62-9FC3-DE9A4176ACB9}">
+      <p15:notesGuideLst xmlns:p15="http://schemas.microsoft.com/office/powerpoint/2012/main"/>
     </p:ext>
   </p:extLst>
 </p:presentation>
@@ -2991,7 +2994,7 @@
           <a:p>
             <a:fld id="{492E6BFC-41CB-404F-BAF1-C6D5999A6FE3}" type="datetimeFigureOut">
               <a:rPr lang="ko-KR" altLang="en-US" smtClean="0"/>
-              <a:t>2021-04-19</a:t>
+              <a:t>2021-04-27</a:t>
             </a:fld>
             <a:endParaRPr lang="ko-KR" altLang="en-US"/>
           </a:p>
@@ -3627,7 +3630,7 @@
           <a:p>
             <a:fld id="{CCDEF1E5-4998-47F2-BF49-17A47DE06D98}" type="datetimeFigureOut">
               <a:rPr lang="ko-KR" altLang="en-US" smtClean="0"/>
-              <a:t>2021-04-19</a:t>
+              <a:t>2021-04-27</a:t>
             </a:fld>
             <a:endParaRPr lang="ko-KR" altLang="en-US"/>
           </a:p>
@@ -3795,7 +3798,7 @@
           <a:p>
             <a:fld id="{CCDEF1E5-4998-47F2-BF49-17A47DE06D98}" type="datetimeFigureOut">
               <a:rPr lang="ko-KR" altLang="en-US" smtClean="0"/>
-              <a:t>2021-04-19</a:t>
+              <a:t>2021-04-27</a:t>
             </a:fld>
             <a:endParaRPr lang="ko-KR" altLang="en-US"/>
           </a:p>
@@ -3973,7 +3976,7 @@
           <a:p>
             <a:fld id="{CCDEF1E5-4998-47F2-BF49-17A47DE06D98}" type="datetimeFigureOut">
               <a:rPr lang="ko-KR" altLang="en-US" smtClean="0"/>
-              <a:t>2021-04-19</a:t>
+              <a:t>2021-04-27</a:t>
             </a:fld>
             <a:endParaRPr lang="ko-KR" altLang="en-US"/>
           </a:p>
@@ -4141,7 +4144,7 @@
           <a:p>
             <a:fld id="{CCDEF1E5-4998-47F2-BF49-17A47DE06D98}" type="datetimeFigureOut">
               <a:rPr lang="ko-KR" altLang="en-US" smtClean="0"/>
-              <a:t>2021-04-19</a:t>
+              <a:t>2021-04-27</a:t>
             </a:fld>
             <a:endParaRPr lang="ko-KR" altLang="en-US"/>
           </a:p>
@@ -4386,7 +4389,7 @@
           <a:p>
             <a:fld id="{CCDEF1E5-4998-47F2-BF49-17A47DE06D98}" type="datetimeFigureOut">
               <a:rPr lang="ko-KR" altLang="en-US" smtClean="0"/>
-              <a:t>2021-04-19</a:t>
+              <a:t>2021-04-27</a:t>
             </a:fld>
             <a:endParaRPr lang="ko-KR" altLang="en-US"/>
           </a:p>
@@ -4615,7 +4618,7 @@
           <a:p>
             <a:fld id="{CCDEF1E5-4998-47F2-BF49-17A47DE06D98}" type="datetimeFigureOut">
               <a:rPr lang="ko-KR" altLang="en-US" smtClean="0"/>
-              <a:t>2021-04-19</a:t>
+              <a:t>2021-04-27</a:t>
             </a:fld>
             <a:endParaRPr lang="ko-KR" altLang="en-US"/>
           </a:p>
@@ -4979,7 +4982,7 @@
           <a:p>
             <a:fld id="{CCDEF1E5-4998-47F2-BF49-17A47DE06D98}" type="datetimeFigureOut">
               <a:rPr lang="ko-KR" altLang="en-US" smtClean="0"/>
-              <a:t>2021-04-19</a:t>
+              <a:t>2021-04-27</a:t>
             </a:fld>
             <a:endParaRPr lang="ko-KR" altLang="en-US"/>
           </a:p>
@@ -5096,7 +5099,7 @@
           <a:p>
             <a:fld id="{CCDEF1E5-4998-47F2-BF49-17A47DE06D98}" type="datetimeFigureOut">
               <a:rPr lang="ko-KR" altLang="en-US" smtClean="0"/>
-              <a:t>2021-04-19</a:t>
+              <a:t>2021-04-27</a:t>
             </a:fld>
             <a:endParaRPr lang="ko-KR" altLang="en-US"/>
           </a:p>
@@ -5191,7 +5194,7 @@
           <a:p>
             <a:fld id="{CCDEF1E5-4998-47F2-BF49-17A47DE06D98}" type="datetimeFigureOut">
               <a:rPr lang="ko-KR" altLang="en-US" smtClean="0"/>
-              <a:t>2021-04-19</a:t>
+              <a:t>2021-04-27</a:t>
             </a:fld>
             <a:endParaRPr lang="ko-KR" altLang="en-US"/>
           </a:p>
@@ -5466,7 +5469,7 @@
           <a:p>
             <a:fld id="{CCDEF1E5-4998-47F2-BF49-17A47DE06D98}" type="datetimeFigureOut">
               <a:rPr lang="ko-KR" altLang="en-US" smtClean="0"/>
-              <a:t>2021-04-19</a:t>
+              <a:t>2021-04-27</a:t>
             </a:fld>
             <a:endParaRPr lang="ko-KR" altLang="en-US"/>
           </a:p>
@@ -5718,7 +5721,7 @@
           <a:p>
             <a:fld id="{CCDEF1E5-4998-47F2-BF49-17A47DE06D98}" type="datetimeFigureOut">
               <a:rPr lang="ko-KR" altLang="en-US" smtClean="0"/>
-              <a:t>2021-04-19</a:t>
+              <a:t>2021-04-27</a:t>
             </a:fld>
             <a:endParaRPr lang="ko-KR" altLang="en-US"/>
           </a:p>
@@ -5932,7 +5935,7 @@
           <a:p>
             <a:fld id="{CCDEF1E5-4998-47F2-BF49-17A47DE06D98}" type="datetimeFigureOut">
               <a:rPr lang="ko-KR" altLang="en-US" smtClean="0"/>
-              <a:t>2021-04-19</a:t>
+              <a:t>2021-04-27</a:t>
             </a:fld>
             <a:endParaRPr lang="ko-KR" altLang="en-US"/>
           </a:p>
@@ -8105,7 +8108,7 @@
         </p:nvGraphicFramePr>
         <p:xfrm>
           <a:off x="417094" y="1847457"/>
-          <a:ext cx="11357811" cy="4673659"/>
+          <a:ext cx="11357811" cy="4683822"/>
         </p:xfrm>
         <a:graphic>
           <a:graphicData uri="http://schemas.openxmlformats.org/drawingml/2006/table">
@@ -10402,7 +10405,7 @@
         </p:nvGraphicFramePr>
         <p:xfrm>
           <a:off x="417094" y="1847457"/>
-          <a:ext cx="11357811" cy="5117526"/>
+          <a:ext cx="11357811" cy="4913376"/>
         </p:xfrm>
         <a:graphic>
           <a:graphicData uri="http://schemas.openxmlformats.org/drawingml/2006/table">
@@ -13148,7 +13151,7 @@
         </p:nvGraphicFramePr>
         <p:xfrm>
           <a:off x="949245" y="3626206"/>
-          <a:ext cx="10410526" cy="1513999"/>
+          <a:ext cx="10410526" cy="1531906"/>
         </p:xfrm>
         <a:graphic>
           <a:graphicData uri="http://schemas.openxmlformats.org/drawingml/2006/table">
@@ -27276,7 +27279,7 @@
         </p:nvGraphicFramePr>
         <p:xfrm>
           <a:off x="132347" y="2103038"/>
-          <a:ext cx="11863137" cy="4699447"/>
+          <a:ext cx="11863137" cy="4423593"/>
         </p:xfrm>
         <a:graphic>
           <a:graphicData uri="http://schemas.openxmlformats.org/drawingml/2006/table">
@@ -29348,7 +29351,7 @@
         </p:nvGraphicFramePr>
         <p:xfrm>
           <a:off x="130074" y="2050401"/>
-          <a:ext cx="11859474" cy="4765919"/>
+          <a:ext cx="11859474" cy="4639157"/>
         </p:xfrm>
         <a:graphic>
           <a:graphicData uri="http://schemas.openxmlformats.org/drawingml/2006/table">
@@ -31739,7 +31742,7 @@
         </p:nvGraphicFramePr>
         <p:xfrm>
           <a:off x="130074" y="2050405"/>
-          <a:ext cx="11859474" cy="4623670"/>
+          <a:ext cx="11859474" cy="4562301"/>
         </p:xfrm>
         <a:graphic>
           <a:graphicData uri="http://schemas.openxmlformats.org/drawingml/2006/table">
@@ -33828,7 +33831,7 @@
         </p:nvGraphicFramePr>
         <p:xfrm>
           <a:off x="417094" y="1847457"/>
-          <a:ext cx="11357811" cy="4686043"/>
+          <a:ext cx="11357811" cy="4710176"/>
         </p:xfrm>
         <a:graphic>
           <a:graphicData uri="http://schemas.openxmlformats.org/drawingml/2006/table">
